--- a/Проект по Доп.pptx
+++ b/Проект по Доп.pptx
@@ -287,7 +287,7 @@
           <a:p>
             <a:fld id="{5A749F8C-4290-4E19-B048-8782A0A74E19}" type="datetimeFigureOut">
               <a:rPr lang="ru-RU" smtClean="0"/>
-              <a:t>26.03.2023</a:t>
+              <a:t>28.03.2023</a:t>
             </a:fld>
             <a:endParaRPr lang="ru-RU"/>
           </a:p>
@@ -515,7 +515,7 @@
           <a:p>
             <a:fld id="{5A749F8C-4290-4E19-B048-8782A0A74E19}" type="datetimeFigureOut">
               <a:rPr lang="ru-RU" smtClean="0"/>
-              <a:t>26.03.2023</a:t>
+              <a:t>28.03.2023</a:t>
             </a:fld>
             <a:endParaRPr lang="ru-RU"/>
           </a:p>
@@ -695,7 +695,7 @@
           <a:p>
             <a:fld id="{5A749F8C-4290-4E19-B048-8782A0A74E19}" type="datetimeFigureOut">
               <a:rPr lang="ru-RU" smtClean="0"/>
-              <a:t>26.03.2023</a:t>
+              <a:t>28.03.2023</a:t>
             </a:fld>
             <a:endParaRPr lang="ru-RU"/>
           </a:p>
@@ -865,7 +865,7 @@
           <a:p>
             <a:fld id="{5A749F8C-4290-4E19-B048-8782A0A74E19}" type="datetimeFigureOut">
               <a:rPr lang="ru-RU" smtClean="0"/>
-              <a:t>26.03.2023</a:t>
+              <a:t>28.03.2023</a:t>
             </a:fld>
             <a:endParaRPr lang="ru-RU"/>
           </a:p>
@@ -1119,7 +1119,7 @@
           <a:p>
             <a:fld id="{5A749F8C-4290-4E19-B048-8782A0A74E19}" type="datetimeFigureOut">
               <a:rPr lang="ru-RU" smtClean="0"/>
-              <a:t>26.03.2023</a:t>
+              <a:t>28.03.2023</a:t>
             </a:fld>
             <a:endParaRPr lang="ru-RU"/>
           </a:p>
@@ -1445,7 +1445,7 @@
           <a:p>
             <a:fld id="{5A749F8C-4290-4E19-B048-8782A0A74E19}" type="datetimeFigureOut">
               <a:rPr lang="ru-RU" smtClean="0"/>
-              <a:t>26.03.2023</a:t>
+              <a:t>28.03.2023</a:t>
             </a:fld>
             <a:endParaRPr lang="ru-RU"/>
           </a:p>
@@ -1896,7 +1896,7 @@
           <a:p>
             <a:fld id="{5A749F8C-4290-4E19-B048-8782A0A74E19}" type="datetimeFigureOut">
               <a:rPr lang="ru-RU" smtClean="0"/>
-              <a:t>26.03.2023</a:t>
+              <a:t>28.03.2023</a:t>
             </a:fld>
             <a:endParaRPr lang="ru-RU"/>
           </a:p>
@@ -2014,7 +2014,7 @@
           <a:p>
             <a:fld id="{5A749F8C-4290-4E19-B048-8782A0A74E19}" type="datetimeFigureOut">
               <a:rPr lang="ru-RU" smtClean="0"/>
-              <a:t>26.03.2023</a:t>
+              <a:t>28.03.2023</a:t>
             </a:fld>
             <a:endParaRPr lang="ru-RU"/>
           </a:p>
@@ -2109,7 +2109,7 @@
           <a:p>
             <a:fld id="{5A749F8C-4290-4E19-B048-8782A0A74E19}" type="datetimeFigureOut">
               <a:rPr lang="ru-RU" smtClean="0"/>
-              <a:t>26.03.2023</a:t>
+              <a:t>28.03.2023</a:t>
             </a:fld>
             <a:endParaRPr lang="ru-RU"/>
           </a:p>
@@ -2396,7 +2396,7 @@
           <a:p>
             <a:fld id="{5A749F8C-4290-4E19-B048-8782A0A74E19}" type="datetimeFigureOut">
               <a:rPr lang="ru-RU" smtClean="0"/>
-              <a:t>26.03.2023</a:t>
+              <a:t>28.03.2023</a:t>
             </a:fld>
             <a:endParaRPr lang="ru-RU"/>
           </a:p>
@@ -2718,7 +2718,7 @@
           <a:p>
             <a:fld id="{5A749F8C-4290-4E19-B048-8782A0A74E19}" type="datetimeFigureOut">
               <a:rPr lang="ru-RU" smtClean="0"/>
-              <a:t>26.03.2023</a:t>
+              <a:t>28.03.2023</a:t>
             </a:fld>
             <a:endParaRPr lang="ru-RU"/>
           </a:p>
@@ -2972,7 +2972,7 @@
           <a:p>
             <a:fld id="{5A749F8C-4290-4E19-B048-8782A0A74E19}" type="datetimeFigureOut">
               <a:rPr lang="ru-RU" smtClean="0"/>
-              <a:t>26.03.2023</a:t>
+              <a:t>28.03.2023</a:t>
             </a:fld>
             <a:endParaRPr lang="ru-RU"/>
           </a:p>
@@ -3518,11 +3518,7 @@
           <a:p>
             <a:r>
               <a:rPr lang="ru-RU" sz="3600" dirty="0" smtClean="0"/>
-              <a:t>Направление: </a:t>
-            </a:r>
-            <a:r>
-              <a:rPr lang="ru-RU" sz="3600" dirty="0" smtClean="0"/>
-              <a:t>Вёрстка</a:t>
+              <a:t>Направление: Вёрстка</a:t>
             </a:r>
             <a:endParaRPr lang="ru-RU" sz="3600" dirty="0"/>
           </a:p>
@@ -3980,8 +3976,8 @@
         </p:blipFill>
         <p:spPr>
           <a:xfrm>
-            <a:off x="1262063" y="2916185"/>
-            <a:ext cx="4479925" cy="2176567"/>
+            <a:off x="384239" y="1820803"/>
+            <a:ext cx="7676470" cy="3729605"/>
           </a:xfrm>
           <a:prstGeom prst="rect">
             <a:avLst/>
@@ -4000,8 +3996,8 @@
         </p:nvSpPr>
         <p:spPr>
           <a:xfrm>
-            <a:off x="8019288" y="2103119"/>
-            <a:ext cx="3675888" cy="4110419"/>
+            <a:off x="7973568" y="1655064"/>
+            <a:ext cx="3374136" cy="4110419"/>
           </a:xfrm>
         </p:spPr>
         <p:txBody>
@@ -4010,7 +4006,15 @@
           <a:p>
             <a:r>
               <a:rPr lang="ru-RU" dirty="0"/>
-              <a:t>Сделать карусель и следующий функционал: при клике на кнопки слайдера сделать так, чтобы у среднего блока всегда был </a:t>
+              <a:t>Сделать карусель и следующий функционал: </a:t>
+            </a:r>
+            <a:r>
+              <a:rPr lang="ru-RU" dirty="0" smtClean="0"/>
+              <a:t>при </a:t>
+            </a:r>
+            <a:r>
+              <a:rPr lang="ru-RU" dirty="0"/>
+              <a:t>клике на кнопки слайдера сделать так, чтобы у среднего блока всегда был </a:t>
             </a:r>
             <a:r>
               <a:rPr lang="ru-RU" dirty="0" err="1"/>
